--- a/AI in RTS game.pptx
+++ b/AI in RTS game.pptx
@@ -542,15 +542,7 @@
             </a:r>
             <a:r>
               <a:rPr lang="en-US" baseline="0" dirty="0" smtClean="0"/>
-              <a:t> (good game</a:t>
-            </a:r>
-            <a:r>
-              <a:rPr lang="en-US" baseline="0" smtClean="0"/>
-              <a:t>, surrender) allowed </a:t>
-            </a:r>
-            <a:r>
-              <a:rPr lang="en-US" baseline="0" dirty="0" smtClean="0"/>
-              <a:t>as in </a:t>
+              <a:t> (good game, surrender) allowed as in </a:t>
             </a:r>
             <a:r>
               <a:rPr lang="en-US" baseline="0" dirty="0" err="1" smtClean="0"/>
@@ -582,6 +574,118 @@
             <a:fld id="{B12A10AC-2B71-4BE5-909B-AD485AE9A6E8}" type="slidenum">
               <a:rPr lang="en-US" smtClean="0"/>
               <a:t>3</a:t>
+            </a:fld>
+            <a:endParaRPr lang="en-US"/>
+          </a:p>
+        </p:txBody>
+      </p:sp>
+    </p:spTree>
+  </p:cSld>
+  <p:clrMapOvr>
+    <a:masterClrMapping/>
+  </p:clrMapOvr>
+</p:notes>
+</file>
+
+<file path=ppt/notesSlides/notesSlide2.xml><?xml version="1.0" encoding="utf-8"?>
+<p:notes xmlns:a="http://schemas.openxmlformats.org/drawingml/2006/main" xmlns:r="http://schemas.openxmlformats.org/officeDocument/2006/relationships" xmlns:p="http://schemas.openxmlformats.org/presentationml/2006/main">
+  <p:cSld>
+    <p:spTree>
+      <p:nvGrpSpPr>
+        <p:cNvPr id="1" name=""/>
+        <p:cNvGrpSpPr/>
+        <p:nvPr/>
+      </p:nvGrpSpPr>
+      <p:grpSpPr>
+        <a:xfrm>
+          <a:off x="0" y="0"/>
+          <a:ext cx="0" cy="0"/>
+          <a:chOff x="0" y="0"/>
+          <a:chExt cx="0" cy="0"/>
+        </a:xfrm>
+      </p:grpSpPr>
+      <p:sp>
+        <p:nvSpPr>
+          <p:cNvPr id="2" name="Slide Image Placeholder 1"/>
+          <p:cNvSpPr>
+            <a:spLocks noGrp="1" noRot="1" noChangeAspect="1"/>
+          </p:cNvSpPr>
+          <p:nvPr>
+            <p:ph type="sldImg"/>
+          </p:nvPr>
+        </p:nvSpPr>
+        <p:spPr/>
+      </p:sp>
+      <p:sp>
+        <p:nvSpPr>
+          <p:cNvPr id="3" name="Notes Placeholder 2"/>
+          <p:cNvSpPr>
+            <a:spLocks noGrp="1"/>
+          </p:cNvSpPr>
+          <p:nvPr>
+            <p:ph type="body" idx="1"/>
+          </p:nvPr>
+        </p:nvSpPr>
+        <p:spPr/>
+        <p:txBody>
+          <a:bodyPr>
+            <a:normAutofit/>
+          </a:bodyPr>
+          <a:lstStyle/>
+          <a:p>
+            <a:r>
+              <a:rPr lang="en-US" dirty="0" smtClean="0"/>
+              <a:t>https://liquipedia.net/starcraft2/MaNa</a:t>
+            </a:r>
+            <a:br>
+              <a:rPr lang="en-US" dirty="0" smtClean="0"/>
+            </a:br>
+            <a:r>
+              <a:rPr lang="en-US" dirty="0" smtClean="0"/>
+              <a:t>Played against </a:t>
+            </a:r>
+            <a:r>
+              <a:rPr lang="en-US" smtClean="0"/>
+              <a:t>the AI, </a:t>
+            </a:r>
+            <a:r>
+              <a:rPr lang="en-US" dirty="0" smtClean="0"/>
+              <a:t>lost 5-0 and won against</a:t>
+            </a:r>
+            <a:r>
+              <a:rPr lang="en-US" baseline="0" dirty="0" smtClean="0"/>
+              <a:t> </a:t>
+            </a:r>
+            <a:r>
+              <a:rPr lang="en-US" baseline="0" dirty="0" err="1" smtClean="0"/>
+              <a:t>Alphastar</a:t>
+            </a:r>
+            <a:r>
+              <a:rPr lang="en-US" baseline="0" dirty="0" smtClean="0"/>
+              <a:t> on 2019-January-24</a:t>
+            </a:r>
+            <a:endParaRPr lang="en-US" dirty="0"/>
+          </a:p>
+        </p:txBody>
+      </p:sp>
+      <p:sp>
+        <p:nvSpPr>
+          <p:cNvPr id="4" name="Slide Number Placeholder 3"/>
+          <p:cNvSpPr>
+            <a:spLocks noGrp="1"/>
+          </p:cNvSpPr>
+          <p:nvPr>
+            <p:ph type="sldNum" sz="quarter" idx="10"/>
+          </p:nvPr>
+        </p:nvSpPr>
+        <p:spPr/>
+        <p:txBody>
+          <a:bodyPr/>
+          <a:lstStyle/>
+          <a:p>
+            <a:fld id="{B12A10AC-2B71-4BE5-909B-AD485AE9A6E8}" type="slidenum">
+              <a:rPr lang="en-US" smtClean="0"/>
+              <a:t>6</a:t>
             </a:fld>
             <a:endParaRPr lang="en-US"/>
           </a:p>
@@ -4499,6 +4603,13 @@
   <p:clrMapOvr>
     <a:masterClrMapping/>
   </p:clrMapOvr>
+  <p:timing>
+    <p:tnLst>
+      <p:par>
+        <p:cTn id="1" dur="indefinite" restart="never" nodeType="tmRoot"/>
+      </p:par>
+    </p:tnLst>
+  </p:timing>
 </p:sld>
 </file>
 
@@ -4610,7 +4721,7 @@
               <a:rPr lang="en-US" sz="2000" dirty="0" smtClean="0">
                 <a:latin typeface="+mj-lt"/>
               </a:rPr>
-              <a:t>Unlike any turn based game like chess, both players are executing commands simultaneously </a:t>
+              <a:t>Unlike any turn based games such as chess, both players are executing commands simultaneously </a:t>
             </a:r>
           </a:p>
           <a:p>
@@ -4619,7 +4730,7 @@
               <a:rPr lang="en-US" sz="1600" dirty="0" smtClean="0">
                 <a:latin typeface="+mj-lt"/>
               </a:rPr>
-              <a:t>In pro tournaments, players issue and execute upwards of hundreds commands per minute</a:t>
+              <a:t>In pro tournaments, players issue and execute upwards of hundreds of commands per minute</a:t>
             </a:r>
           </a:p>
           <a:p>
@@ -4769,6 +4880,13 @@
   <p:clrMapOvr>
     <a:masterClrMapping/>
   </p:clrMapOvr>
+  <p:timing>
+    <p:tnLst>
+      <p:par>
+        <p:cTn id="1" dur="indefinite" restart="never" nodeType="tmRoot"/>
+      </p:par>
+    </p:tnLst>
+  </p:timing>
 </p:sld>
 </file>
 
@@ -5035,6 +5153,13 @@
   <p:clrMapOvr>
     <a:masterClrMapping/>
   </p:clrMapOvr>
+  <p:timing>
+    <p:tnLst>
+      <p:par>
+        <p:cTn id="1" dur="indefinite" restart="never" nodeType="tmRoot"/>
+      </p:par>
+    </p:tnLst>
+  </p:timing>
 </p:sld>
 </file>
 
@@ -5124,6 +5249,13 @@
   <p:clrMapOvr>
     <a:masterClrMapping/>
   </p:clrMapOvr>
+  <p:timing>
+    <p:tnLst>
+      <p:par>
+        <p:cTn id="1" dur="indefinite" restart="never" nodeType="tmRoot"/>
+      </p:par>
+    </p:tnLst>
+  </p:timing>
 </p:sld>
 </file>
 
@@ -5245,6 +5377,13 @@
   <p:clrMapOvr>
     <a:masterClrMapping/>
   </p:clrMapOvr>
+  <p:timing>
+    <p:tnLst>
+      <p:par>
+        <p:cTn id="1" dur="indefinite" restart="never" nodeType="tmRoot"/>
+      </p:par>
+    </p:tnLst>
+  </p:timing>
 </p:sld>
 </file>
 
@@ -5309,22 +5448,16 @@
           <a:p>
             <a:pPr lvl="2"/>
             <a:r>
+              <a:rPr lang="en-US" sz="2000" dirty="0" err="1" smtClean="0">
+                <a:latin typeface="+mj-lt"/>
+              </a:rPr>
+              <a:t>Alphastar</a:t>
+            </a:r>
+            <a:r>
               <a:rPr lang="en-US" sz="2000" dirty="0" smtClean="0">
                 <a:latin typeface="+mj-lt"/>
               </a:rPr>
-              <a:t>In </a:t>
-            </a:r>
-            <a:r>
-              <a:rPr lang="en-US" sz="2000" dirty="0" err="1" smtClean="0">
-                <a:latin typeface="+mj-lt"/>
-              </a:rPr>
-              <a:t>Alphastar’s</a:t>
-            </a:r>
-            <a:r>
-              <a:rPr lang="en-US" sz="2000" dirty="0" smtClean="0">
-                <a:latin typeface="+mj-lt"/>
-              </a:rPr>
-              <a:t> case, AI observes the pro level players from the SC2 tournament</a:t>
+              <a:t> observed and played against 2 of the top pro level players from the SC2 tournament circuits</a:t>
             </a:r>
           </a:p>
           <a:p>
@@ -5361,6 +5494,13 @@
   <p:clrMapOvr>
     <a:masterClrMapping/>
   </p:clrMapOvr>
+  <p:timing>
+    <p:tnLst>
+      <p:par>
+        <p:cTn id="1" dur="indefinite" restart="never" nodeType="tmRoot"/>
+      </p:par>
+    </p:tnLst>
+  </p:timing>
 </p:sld>
 </file>
 
